--- a/Task 2/Task 2_Executive Summary.pptx
+++ b/Task 2/Task 2_Executive Summary.pptx
@@ -115,6 +115,11 @@
       </a:defRPr>
     </a:lvl9pPr>
   </p:defaultTextStyle>
+  <p:extLst>
+    <p:ext uri="{EFAFB233-063F-42B5-8137-9DF3F51BA10A}">
+      <p15:sldGuideLst xmlns:p15="http://schemas.microsoft.com/office/powerpoint/2012/main"/>
+    </p:ext>
+  </p:extLst>
 </p:presentation>
 </file>
 
@@ -6691,8 +6696,8 @@
         </p:blipFill>
         <p:spPr>
           <a:xfrm>
-            <a:off x="7327730" y="774285"/>
-            <a:ext cx="3626993" cy="2581173"/>
+            <a:off x="7396411" y="301321"/>
+            <a:ext cx="2891905" cy="1775627"/>
           </a:xfrm>
           <a:prstGeom prst="rect">
             <a:avLst/>
@@ -6727,8 +6732,8 @@
         </p:blipFill>
         <p:spPr>
           <a:xfrm>
-            <a:off x="6349479" y="2792250"/>
-            <a:ext cx="5155166" cy="3067814"/>
+            <a:off x="5993473" y="1736521"/>
+            <a:ext cx="5697783" cy="4020054"/>
           </a:xfrm>
           <a:prstGeom prst="rect">
             <a:avLst/>
@@ -6773,12 +6778,12 @@
           <a:chExt cx="0" cy="0"/>
         </a:xfrm>
       </p:grpSpPr>
-      <p:sp>
-        <p:nvSpPr>
-          <p:cNvPr id="28" name="Freeform: Shape 13">
+      <p:sp useBgFill="1">
+        <p:nvSpPr>
+          <p:cNvPr id="35" name="Rectangle 34">
             <a:extLst>
               <a:ext uri="{FF2B5EF4-FFF2-40B4-BE49-F238E27FC236}">
-                <a16:creationId xmlns:a16="http://schemas.microsoft.com/office/drawing/2014/main" id="{3D5CAF16-1F3A-4148-87A8-78A710D1EF81}"/>
+                <a16:creationId xmlns:a16="http://schemas.microsoft.com/office/drawing/2014/main" id="{149FB5C3-7336-4FE0-A30C-CC0A3646D499}"/>
               </a:ext>
               <a:ext uri="{C183D7F6-B498-43B3-948B-1728B52AA6E4}">
                 <adec:decorative xmlns:adec="http://schemas.microsoft.com/office/drawing/2017/decorative" val="1"/>
@@ -6798,138 +6803,12 @@
         </p:nvSpPr>
         <p:spPr>
           <a:xfrm>
-            <a:off x="7814136" y="0"/>
-            <a:ext cx="4377864" cy="1511303"/>
-          </a:xfrm>
-          <a:custGeom>
+            <a:off x="0" y="0"/>
+            <a:ext cx="12191999" cy="6857365"/>
+          </a:xfrm>
+          <a:prstGeom prst="rect">
             <a:avLst/>
-            <a:gdLst>
-              <a:gd name="connsiteX0" fmla="*/ 2088891 w 4377864"/>
-              <a:gd name="connsiteY0" fmla="*/ 0 h 1511303"/>
-              <a:gd name="connsiteX1" fmla="*/ 2487984 w 4377864"/>
-              <a:gd name="connsiteY1" fmla="*/ 0 h 1511303"/>
-              <a:gd name="connsiteX2" fmla="*/ 2582604 w 4377864"/>
-              <a:gd name="connsiteY2" fmla="*/ 0 h 1511303"/>
-              <a:gd name="connsiteX3" fmla="*/ 4377864 w 4377864"/>
-              <a:gd name="connsiteY3" fmla="*/ 0 h 1511303"/>
-              <a:gd name="connsiteX4" fmla="*/ 4377864 w 4377864"/>
-              <a:gd name="connsiteY4" fmla="*/ 1511301 h 1511303"/>
-              <a:gd name="connsiteX5" fmla="*/ 2986590 w 4377864"/>
-              <a:gd name="connsiteY5" fmla="*/ 1511301 h 1511303"/>
-              <a:gd name="connsiteX6" fmla="*/ 2986590 w 4377864"/>
-              <a:gd name="connsiteY6" fmla="*/ 1511303 h 1511303"/>
-              <a:gd name="connsiteX7" fmla="*/ 1191330 w 4377864"/>
-              <a:gd name="connsiteY7" fmla="*/ 1511303 h 1511303"/>
-              <a:gd name="connsiteX8" fmla="*/ 399093 w 4377864"/>
-              <a:gd name="connsiteY8" fmla="*/ 1511303 h 1511303"/>
-              <a:gd name="connsiteX9" fmla="*/ 0 w 4377864"/>
-              <a:gd name="connsiteY9" fmla="*/ 1511303 h 1511303"/>
-              <a:gd name="connsiteX10" fmla="*/ 697617 w 4377864"/>
-              <a:gd name="connsiteY10" fmla="*/ 2 h 1511303"/>
-              <a:gd name="connsiteX11" fmla="*/ 1096710 w 4377864"/>
-              <a:gd name="connsiteY11" fmla="*/ 2 h 1511303"/>
-              <a:gd name="connsiteX12" fmla="*/ 1191330 w 4377864"/>
-              <a:gd name="connsiteY12" fmla="*/ 2 h 1511303"/>
-              <a:gd name="connsiteX13" fmla="*/ 2088890 w 4377864"/>
-              <a:gd name="connsiteY13" fmla="*/ 2 h 1511303"/>
-            </a:gdLst>
-            <a:ahLst/>
-            <a:cxnLst>
-              <a:cxn ang="0">
-                <a:pos x="connsiteX0" y="connsiteY0"/>
-              </a:cxn>
-              <a:cxn ang="0">
-                <a:pos x="connsiteX1" y="connsiteY1"/>
-              </a:cxn>
-              <a:cxn ang="0">
-                <a:pos x="connsiteX2" y="connsiteY2"/>
-              </a:cxn>
-              <a:cxn ang="0">
-                <a:pos x="connsiteX3" y="connsiteY3"/>
-              </a:cxn>
-              <a:cxn ang="0">
-                <a:pos x="connsiteX4" y="connsiteY4"/>
-              </a:cxn>
-              <a:cxn ang="0">
-                <a:pos x="connsiteX5" y="connsiteY5"/>
-              </a:cxn>
-              <a:cxn ang="0">
-                <a:pos x="connsiteX6" y="connsiteY6"/>
-              </a:cxn>
-              <a:cxn ang="0">
-                <a:pos x="connsiteX7" y="connsiteY7"/>
-              </a:cxn>
-              <a:cxn ang="0">
-                <a:pos x="connsiteX8" y="connsiteY8"/>
-              </a:cxn>
-              <a:cxn ang="0">
-                <a:pos x="connsiteX9" y="connsiteY9"/>
-              </a:cxn>
-              <a:cxn ang="0">
-                <a:pos x="connsiteX10" y="connsiteY10"/>
-              </a:cxn>
-              <a:cxn ang="0">
-                <a:pos x="connsiteX11" y="connsiteY11"/>
-              </a:cxn>
-              <a:cxn ang="0">
-                <a:pos x="connsiteX12" y="connsiteY12"/>
-              </a:cxn>
-              <a:cxn ang="0">
-                <a:pos x="connsiteX13" y="connsiteY13"/>
-              </a:cxn>
-            </a:cxnLst>
-            <a:rect l="l" t="t" r="r" b="b"/>
-            <a:pathLst>
-              <a:path w="4377864" h="1511303">
-                <a:moveTo>
-                  <a:pt x="2088891" y="0"/>
-                </a:moveTo>
-                <a:lnTo>
-                  <a:pt x="2487984" y="0"/>
-                </a:lnTo>
-                <a:lnTo>
-                  <a:pt x="2582604" y="0"/>
-                </a:lnTo>
-                <a:lnTo>
-                  <a:pt x="4377864" y="0"/>
-                </a:lnTo>
-                <a:lnTo>
-                  <a:pt x="4377864" y="1511301"/>
-                </a:lnTo>
-                <a:lnTo>
-                  <a:pt x="2986590" y="1511301"/>
-                </a:lnTo>
-                <a:lnTo>
-                  <a:pt x="2986590" y="1511303"/>
-                </a:lnTo>
-                <a:lnTo>
-                  <a:pt x="1191330" y="1511303"/>
-                </a:lnTo>
-                <a:lnTo>
-                  <a:pt x="399093" y="1511303"/>
-                </a:lnTo>
-                <a:lnTo>
-                  <a:pt x="0" y="1511303"/>
-                </a:lnTo>
-                <a:lnTo>
-                  <a:pt x="697617" y="2"/>
-                </a:lnTo>
-                <a:lnTo>
-                  <a:pt x="1096710" y="2"/>
-                </a:lnTo>
-                <a:lnTo>
-                  <a:pt x="1191330" y="2"/>
-                </a:lnTo>
-                <a:lnTo>
-                  <a:pt x="2088890" y="2"/>
-                </a:lnTo>
-                <a:close/>
-              </a:path>
-            </a:pathLst>
-          </a:custGeom>
-          <a:solidFill>
-            <a:schemeClr val="accent4"/>
-          </a:solidFill>
+          </a:prstGeom>
           <a:ln>
             <a:noFill/>
           </a:ln>
@@ -6951,9 +6830,7 @@
           </a:fontRef>
         </p:style>
         <p:txBody>
-          <a:bodyPr wrap="square" rtlCol="0" anchor="ctr">
-            <a:noAutofit/>
-          </a:bodyPr>
+          <a:bodyPr rtlCol="0" anchor="ctr"/>
           <a:lstStyle/>
           <a:p>
             <a:pPr algn="ctr"/>
@@ -6961,21 +6838,21 @@
           </a:p>
         </p:txBody>
       </p:sp>
-      <p:sp>
-        <p:nvSpPr>
-          <p:cNvPr id="29" name="Freeform 11">
+      <p:grpSp>
+        <p:nvGrpSpPr>
+          <p:cNvPr id="37" name="Group 36">
             <a:extLst>
               <a:ext uri="{FF2B5EF4-FFF2-40B4-BE49-F238E27FC236}">
-                <a16:creationId xmlns:a16="http://schemas.microsoft.com/office/drawing/2014/main" id="{A0BF428C-DA8B-4D99-9930-18F7F91D873D}"/>
+                <a16:creationId xmlns:a16="http://schemas.microsoft.com/office/drawing/2014/main" id="{19A6B5CE-CB1D-48EE-8B43-E952235C8371}"/>
               </a:ext>
               <a:ext uri="{C183D7F6-B498-43B3-948B-1728B52AA6E4}">
                 <adec:decorative xmlns:adec="http://schemas.microsoft.com/office/drawing/2017/decorative" val="1"/>
               </a:ext>
             </a:extLst>
           </p:cNvPr>
-          <p:cNvSpPr>
-            <a:spLocks noGrp="1" noRot="1" noChangeAspect="1" noMove="1" noResize="1" noEditPoints="1" noAdjustHandles="1" noChangeArrowheads="1" noChangeShapeType="1" noTextEdit="1"/>
-          </p:cNvSpPr>
+          <p:cNvGrpSpPr>
+            <a:grpSpLocks noGrp="1" noUngrp="1" noRot="1" noChangeAspect="1" noMove="1" noResize="1"/>
+          </p:cNvGrpSpPr>
           <p:nvPr>
             <p:extLst>
               <p:ext uri="{386F3935-93C4-4BCD-93E2-E3B085C9AB24}">
@@ -6983,82 +6860,181 @@
               </p:ext>
             </p:extLst>
           </p:nvPr>
+        </p:nvGrpSpPr>
+        <p:grpSpPr>
+          <a:xfrm rot="5400000">
+            <a:off x="-2340441" y="2666183"/>
+            <a:ext cx="5860051" cy="527712"/>
+            <a:chOff x="6081624" y="1998368"/>
+            <a:chExt cx="5613457" cy="782175"/>
+          </a:xfrm>
+          <a:solidFill>
+            <a:schemeClr val="accent4"/>
+          </a:solidFill>
+        </p:grpSpPr>
+        <p:sp>
+          <p:nvSpPr>
+            <p:cNvPr id="38" name="Rectangle 37">
+              <a:extLst>
+                <a:ext uri="{FF2B5EF4-FFF2-40B4-BE49-F238E27FC236}">
+                  <a16:creationId xmlns:a16="http://schemas.microsoft.com/office/drawing/2014/main" id="{E3F3EAA5-4E15-400B-BBA3-82B3F49A2178}"/>
+                </a:ext>
+                <a:ext uri="{C183D7F6-B498-43B3-948B-1728B52AA6E4}">
+                  <adec:decorative xmlns:adec="http://schemas.microsoft.com/office/drawing/2017/decorative" val="1"/>
+                </a:ext>
+              </a:extLst>
+            </p:cNvPr>
+            <p:cNvSpPr/>
+            <p:nvPr>
+              <p:extLst>
+                <p:ext uri="{386F3935-93C4-4BCD-93E2-E3B085C9AB24}">
+                  <p16:designElem xmlns:p16="http://schemas.microsoft.com/office/powerpoint/2015/main" val="1"/>
+                </p:ext>
+              </p:extLst>
+            </p:nvPr>
+          </p:nvSpPr>
+          <p:spPr>
+            <a:xfrm rot="5400000">
+              <a:off x="11228040" y="2313027"/>
+              <a:ext cx="781700" cy="152382"/>
+            </a:xfrm>
+            <a:prstGeom prst="rect">
+              <a:avLst/>
+            </a:prstGeom>
+            <a:grpFill/>
+            <a:ln>
+              <a:noFill/>
+            </a:ln>
+          </p:spPr>
+          <p:style>
+            <a:lnRef idx="2">
+              <a:schemeClr val="accent1">
+                <a:shade val="50000"/>
+              </a:schemeClr>
+            </a:lnRef>
+            <a:fillRef idx="1">
+              <a:schemeClr val="accent1"/>
+            </a:fillRef>
+            <a:effectRef idx="0">
+              <a:schemeClr val="accent1"/>
+            </a:effectRef>
+            <a:fontRef idx="minor">
+              <a:schemeClr val="lt1"/>
+            </a:fontRef>
+          </p:style>
+          <p:txBody>
+            <a:bodyPr rtlCol="0" anchor="ctr"/>
+            <a:lstStyle/>
+            <a:p>
+              <a:pPr algn="ctr"/>
+              <a:endParaRPr lang="en-US"/>
+            </a:p>
+          </p:txBody>
+        </p:sp>
+        <p:sp>
+          <p:nvSpPr>
+            <p:cNvPr id="39" name="Rectangle 38">
+              <a:extLst>
+                <a:ext uri="{FF2B5EF4-FFF2-40B4-BE49-F238E27FC236}">
+                  <a16:creationId xmlns:a16="http://schemas.microsoft.com/office/drawing/2014/main" id="{72BA2E40-BE9B-4C54-9CDD-40EE804CCE64}"/>
+                </a:ext>
+                <a:ext uri="{C183D7F6-B498-43B3-948B-1728B52AA6E4}">
+                  <adec:decorative xmlns:adec="http://schemas.microsoft.com/office/drawing/2017/decorative" val="1"/>
+                </a:ext>
+              </a:extLst>
+            </p:cNvPr>
+            <p:cNvSpPr/>
+            <p:nvPr>
+              <p:extLst>
+                <p:ext uri="{386F3935-93C4-4BCD-93E2-E3B085C9AB24}">
+                  <p16:designElem xmlns:p16="http://schemas.microsoft.com/office/powerpoint/2015/main" val="1"/>
+                </p:ext>
+              </p:extLst>
+            </p:nvPr>
+          </p:nvSpPr>
+          <p:spPr>
+            <a:xfrm flipH="1" flipV="1">
+              <a:off x="6081624" y="1998844"/>
+              <a:ext cx="5372968" cy="781699"/>
+            </a:xfrm>
+            <a:prstGeom prst="rect">
+              <a:avLst/>
+            </a:prstGeom>
+            <a:grpFill/>
+            <a:ln>
+              <a:noFill/>
+            </a:ln>
+          </p:spPr>
+          <p:style>
+            <a:lnRef idx="2">
+              <a:schemeClr val="accent1">
+                <a:shade val="50000"/>
+              </a:schemeClr>
+            </a:lnRef>
+            <a:fillRef idx="1">
+              <a:schemeClr val="accent1"/>
+            </a:fillRef>
+            <a:effectRef idx="0">
+              <a:schemeClr val="accent1"/>
+            </a:effectRef>
+            <a:fontRef idx="minor">
+              <a:schemeClr val="lt1"/>
+            </a:fontRef>
+          </p:style>
+          <p:txBody>
+            <a:bodyPr rtlCol="0" anchor="ctr"/>
+            <a:lstStyle/>
+            <a:p>
+              <a:pPr algn="ctr"/>
+              <a:endParaRPr lang="en-US"/>
+            </a:p>
+          </p:txBody>
+        </p:sp>
+      </p:grpSp>
+      <p:sp>
+        <p:nvSpPr>
+          <p:cNvPr id="41" name="Rectangle 40">
+            <a:extLst>
+              <a:ext uri="{FF2B5EF4-FFF2-40B4-BE49-F238E27FC236}">
+                <a16:creationId xmlns:a16="http://schemas.microsoft.com/office/drawing/2014/main" id="{0DA909B4-15FF-46A6-8A7F-7AEF977FE9ED}"/>
+              </a:ext>
+              <a:ext uri="{C183D7F6-B498-43B3-948B-1728B52AA6E4}">
+                <adec:decorative xmlns:adec="http://schemas.microsoft.com/office/drawing/2017/decorative" val="1"/>
+              </a:ext>
+            </a:extLst>
+          </p:cNvPr>
+          <p:cNvSpPr>
+            <a:spLocks noGrp="1" noRot="1" noChangeAspect="1" noMove="1" noResize="1" noEditPoints="1" noAdjustHandles="1" noChangeArrowheads="1" noChangeShapeType="1" noTextEdit="1"/>
+          </p:cNvSpPr>
+          <p:nvPr>
+            <p:extLst>
+              <p:ext uri="{386F3935-93C4-4BCD-93E2-E3B085C9AB24}">
+                <p16:designElem xmlns:p16="http://schemas.microsoft.com/office/powerpoint/2015/main" val="1"/>
+              </p:ext>
+            </p:extLst>
+          </p:nvPr>
         </p:nvSpPr>
         <p:spPr>
           <a:xfrm>
-            <a:off x="4876801" y="1690688"/>
-            <a:ext cx="7316944" cy="5167312"/>
-          </a:xfrm>
-          <a:custGeom>
+            <a:off x="579528" y="517897"/>
+            <a:ext cx="11111729" cy="5857966"/>
+          </a:xfrm>
+          <a:prstGeom prst="rect">
             <a:avLst/>
-            <a:gdLst>
-              <a:gd name="connsiteX0" fmla="*/ 0 w 7316944"/>
-              <a:gd name="connsiteY0" fmla="*/ 0 h 5167312"/>
-              <a:gd name="connsiteX1" fmla="*/ 7316944 w 7316944"/>
-              <a:gd name="connsiteY1" fmla="*/ 0 h 5167312"/>
-              <a:gd name="connsiteX2" fmla="*/ 7316944 w 7316944"/>
-              <a:gd name="connsiteY2" fmla="*/ 5167312 h 5167312"/>
-              <a:gd name="connsiteX3" fmla="*/ 472697 w 7316944"/>
-              <a:gd name="connsiteY3" fmla="*/ 5167312 h 5167312"/>
-              <a:gd name="connsiteX4" fmla="*/ 2866576 w 7316944"/>
-              <a:gd name="connsiteY4" fmla="*/ 952 h 5167312"/>
-              <a:gd name="connsiteX5" fmla="*/ 0 w 7316944"/>
-              <a:gd name="connsiteY5" fmla="*/ 952 h 5167312"/>
-            </a:gdLst>
-            <a:ahLst/>
-            <a:cxnLst>
-              <a:cxn ang="0">
-                <a:pos x="connsiteX0" y="connsiteY0"/>
-              </a:cxn>
-              <a:cxn ang="0">
-                <a:pos x="connsiteX1" y="connsiteY1"/>
-              </a:cxn>
-              <a:cxn ang="0">
-                <a:pos x="connsiteX2" y="connsiteY2"/>
-              </a:cxn>
-              <a:cxn ang="0">
-                <a:pos x="connsiteX3" y="connsiteY3"/>
-              </a:cxn>
-              <a:cxn ang="0">
-                <a:pos x="connsiteX4" y="connsiteY4"/>
-              </a:cxn>
-              <a:cxn ang="0">
-                <a:pos x="connsiteX5" y="connsiteY5"/>
-              </a:cxn>
-            </a:cxnLst>
-            <a:rect l="l" t="t" r="r" b="b"/>
-            <a:pathLst>
-              <a:path w="7316944" h="5167312">
-                <a:moveTo>
-                  <a:pt x="0" y="0"/>
-                </a:moveTo>
-                <a:lnTo>
-                  <a:pt x="7316944" y="0"/>
-                </a:lnTo>
-                <a:lnTo>
-                  <a:pt x="7316944" y="5167312"/>
-                </a:lnTo>
-                <a:lnTo>
-                  <a:pt x="472697" y="5167312"/>
-                </a:lnTo>
-                <a:lnTo>
-                  <a:pt x="2866576" y="952"/>
-                </a:lnTo>
-                <a:lnTo>
-                  <a:pt x="0" y="952"/>
-                </a:lnTo>
-                <a:close/>
-              </a:path>
-            </a:pathLst>
-          </a:custGeom>
+          </a:prstGeom>
           <a:solidFill>
-            <a:srgbClr val="A6A6A6">
-              <a:alpha val="70000"/>
-            </a:srgbClr>
+            <a:schemeClr val="bg1"/>
           </a:solidFill>
           <a:ln>
             <a:noFill/>
           </a:ln>
+          <a:effectLst>
+            <a:outerShdw blurRad="139700" dist="127000" dir="5400000" algn="t" rotWithShape="0">
+              <a:prstClr val="black">
+                <a:alpha val="15000"/>
+              </a:prstClr>
+            </a:outerShdw>
+          </a:effectLst>
         </p:spPr>
         <p:style>
           <a:lnRef idx="2">
@@ -7077,9 +7053,7 @@
           </a:fontRef>
         </p:style>
         <p:txBody>
-          <a:bodyPr wrap="square" rtlCol="0" anchor="ctr">
-            <a:noAutofit/>
-          </a:bodyPr>
+          <a:bodyPr rtlCol="0" anchor="ctr"/>
           <a:lstStyle/>
           <a:p>
             <a:pPr algn="ctr"/>
@@ -7089,10 +7063,45 @@
       </p:sp>
       <p:sp>
         <p:nvSpPr>
-          <p:cNvPr id="30" name="Freeform 37">
+          <p:cNvPr id="2" name="Title 1">
             <a:extLst>
               <a:ext uri="{FF2B5EF4-FFF2-40B4-BE49-F238E27FC236}">
-                <a16:creationId xmlns:a16="http://schemas.microsoft.com/office/drawing/2014/main" id="{A03E2379-8871-408A-95CE-7AAE8FA53AE5}"/>
+                <a16:creationId xmlns:a16="http://schemas.microsoft.com/office/drawing/2014/main" id="{CBDFDD04-1DD2-440B-8B10-7282B64230C7}"/>
+              </a:ext>
+            </a:extLst>
+          </p:cNvPr>
+          <p:cNvSpPr>
+            <a:spLocks noGrp="1"/>
+          </p:cNvSpPr>
+          <p:nvPr>
+            <p:ph type="title"/>
+          </p:nvPr>
+        </p:nvSpPr>
+        <p:spPr>
+          <a:xfrm>
+            <a:off x="1057025" y="922644"/>
+            <a:ext cx="5040285" cy="1169585"/>
+          </a:xfrm>
+        </p:spPr>
+        <p:txBody>
+          <a:bodyPr vert="horz" lIns="91440" tIns="45720" rIns="91440" bIns="45720" rtlCol="0" anchor="b">
+            <a:normAutofit/>
+          </a:bodyPr>
+          <a:lstStyle/>
+          <a:p>
+            <a:r>
+              <a:rPr lang="en-US" sz="3700"/>
+              <a:t>U.S. Statistics of Accidents and Fatalities</a:t>
+            </a:r>
+          </a:p>
+        </p:txBody>
+      </p:sp>
+      <p:sp>
+        <p:nvSpPr>
+          <p:cNvPr id="43" name="Rectangle 42">
+            <a:extLst>
+              <a:ext uri="{FF2B5EF4-FFF2-40B4-BE49-F238E27FC236}">
+                <a16:creationId xmlns:a16="http://schemas.microsoft.com/office/drawing/2014/main" id="{1382A32C-5B0C-4B1C-A074-76C6DBCC9F87}"/>
               </a:ext>
               <a:ext uri="{C183D7F6-B498-43B3-948B-1728B52AA6E4}">
                 <adec:decorative xmlns:adec="http://schemas.microsoft.com/office/drawing/2017/decorative" val="1"/>
@@ -7111,82 +7120,15 @@
           </p:nvPr>
         </p:nvSpPr>
         <p:spPr>
-          <a:xfrm flipV="1">
-            <a:off x="-1746" y="1691164"/>
-            <a:ext cx="7571262" cy="5166360"/>
-          </a:xfrm>
-          <a:custGeom>
+          <a:xfrm flipH="1">
+            <a:off x="1055714" y="2263365"/>
+            <a:ext cx="4937760" cy="27432"/>
+          </a:xfrm>
+          <a:prstGeom prst="rect">
             <a:avLst/>
-            <a:gdLst>
-              <a:gd name="connsiteX0" fmla="*/ 0 w 7571262"/>
-              <a:gd name="connsiteY0" fmla="*/ 5166360 h 5166360"/>
-              <a:gd name="connsiteX1" fmla="*/ 7571262 w 7571262"/>
-              <a:gd name="connsiteY1" fmla="*/ 5166360 h 5166360"/>
-              <a:gd name="connsiteX2" fmla="*/ 5177382 w 7571262"/>
-              <a:gd name="connsiteY2" fmla="*/ 0 h 5166360"/>
-              <a:gd name="connsiteX3" fmla="*/ 5171159 w 7571262"/>
-              <a:gd name="connsiteY3" fmla="*/ 0 h 5166360"/>
-              <a:gd name="connsiteX4" fmla="*/ 3981368 w 7571262"/>
-              <a:gd name="connsiteY4" fmla="*/ 0 h 5166360"/>
-              <a:gd name="connsiteX5" fmla="*/ 2331323 w 7571262"/>
-              <a:gd name="connsiteY5" fmla="*/ 0 h 5166360"/>
-              <a:gd name="connsiteX6" fmla="*/ 0 w 7571262"/>
-              <a:gd name="connsiteY6" fmla="*/ 0 h 5166360"/>
-            </a:gdLst>
-            <a:ahLst/>
-            <a:cxnLst>
-              <a:cxn ang="0">
-                <a:pos x="connsiteX0" y="connsiteY0"/>
-              </a:cxn>
-              <a:cxn ang="0">
-                <a:pos x="connsiteX1" y="connsiteY1"/>
-              </a:cxn>
-              <a:cxn ang="0">
-                <a:pos x="connsiteX2" y="connsiteY2"/>
-              </a:cxn>
-              <a:cxn ang="0">
-                <a:pos x="connsiteX3" y="connsiteY3"/>
-              </a:cxn>
-              <a:cxn ang="0">
-                <a:pos x="connsiteX4" y="connsiteY4"/>
-              </a:cxn>
-              <a:cxn ang="0">
-                <a:pos x="connsiteX5" y="connsiteY5"/>
-              </a:cxn>
-              <a:cxn ang="0">
-                <a:pos x="connsiteX6" y="connsiteY6"/>
-              </a:cxn>
-            </a:cxnLst>
-            <a:rect l="l" t="t" r="r" b="b"/>
-            <a:pathLst>
-              <a:path w="7571262" h="5166360">
-                <a:moveTo>
-                  <a:pt x="0" y="5166360"/>
-                </a:moveTo>
-                <a:lnTo>
-                  <a:pt x="7571262" y="5166360"/>
-                </a:lnTo>
-                <a:lnTo>
-                  <a:pt x="5177382" y="0"/>
-                </a:lnTo>
-                <a:lnTo>
-                  <a:pt x="5171159" y="0"/>
-                </a:lnTo>
-                <a:lnTo>
-                  <a:pt x="3981368" y="0"/>
-                </a:lnTo>
-                <a:lnTo>
-                  <a:pt x="2331323" y="0"/>
-                </a:lnTo>
-                <a:lnTo>
-                  <a:pt x="0" y="0"/>
-                </a:lnTo>
-                <a:close/>
-              </a:path>
-            </a:pathLst>
-          </a:custGeom>
+          </a:prstGeom>
           <a:solidFill>
-            <a:srgbClr val="303030"/>
+            <a:schemeClr val="accent4"/>
           </a:solidFill>
           <a:ln>
             <a:noFill/>
@@ -7209,48 +7151,11 @@
           </a:fontRef>
         </p:style>
         <p:txBody>
-          <a:bodyPr wrap="square" rtlCol="0" anchor="ctr">
-            <a:noAutofit/>
-          </a:bodyPr>
+          <a:bodyPr rtlCol="0" anchor="ctr"/>
           <a:lstStyle/>
           <a:p>
             <a:pPr algn="ctr"/>
             <a:endParaRPr lang="en-US"/>
-          </a:p>
-        </p:txBody>
-      </p:sp>
-      <p:sp>
-        <p:nvSpPr>
-          <p:cNvPr id="2" name="Title 1">
-            <a:extLst>
-              <a:ext uri="{FF2B5EF4-FFF2-40B4-BE49-F238E27FC236}">
-                <a16:creationId xmlns:a16="http://schemas.microsoft.com/office/drawing/2014/main" id="{CBDFDD04-1DD2-440B-8B10-7282B64230C7}"/>
-              </a:ext>
-            </a:extLst>
-          </p:cNvPr>
-          <p:cNvSpPr>
-            <a:spLocks noGrp="1"/>
-          </p:cNvSpPr>
-          <p:nvPr>
-            <p:ph type="title"/>
-          </p:nvPr>
-        </p:nvSpPr>
-        <p:spPr>
-          <a:xfrm>
-            <a:off x="838200" y="365125"/>
-            <a:ext cx="6903720" cy="1325563"/>
-          </a:xfrm>
-        </p:spPr>
-        <p:txBody>
-          <a:bodyPr vert="horz" lIns="91440" tIns="45720" rIns="91440" bIns="45720" rtlCol="0" anchor="ctr">
-            <a:normAutofit/>
-          </a:bodyPr>
-          <a:lstStyle/>
-          <a:p>
-            <a:r>
-              <a:rPr lang="en-US" sz="4400"/>
-              <a:t>U.S. Statistics of Accidents and Fatalities</a:t>
-            </a:r>
           </a:p>
         </p:txBody>
       </p:sp>
@@ -7272,13 +7177,13 @@
         </p:nvSpPr>
         <p:spPr>
           <a:xfrm>
-            <a:off x="838200" y="2015406"/>
-            <a:ext cx="4900749" cy="4028343"/>
-          </a:xfrm>
-        </p:spPr>
-        <p:txBody>
-          <a:bodyPr vert="horz" lIns="91440" tIns="45720" rIns="91440" bIns="45720" rtlCol="0" anchor="t">
-            <a:normAutofit lnSpcReduction="10000"/>
+            <a:off x="1055715" y="2508105"/>
+            <a:ext cx="5040285" cy="3632493"/>
+          </a:xfrm>
+        </p:spPr>
+        <p:txBody>
+          <a:bodyPr vert="horz" lIns="91440" tIns="45720" rIns="91440" bIns="45720" rtlCol="0" anchor="ctr">
+            <a:normAutofit/>
           </a:bodyPr>
           <a:lstStyle/>
           <a:p>
@@ -7287,11 +7192,7 @@
               <a:buChar char="•"/>
             </a:pPr>
             <a:r>
-              <a:rPr lang="en-US" sz="2000" dirty="0">
-                <a:solidFill>
-                  <a:srgbClr val="FFFFFF"/>
-                </a:solidFill>
-              </a:rPr>
+              <a:rPr lang="en-US" sz="1700"/>
               <a:t>For the last 20 years:</a:t>
             </a:r>
           </a:p>
@@ -7301,11 +7202,7 @@
               <a:buChar char="•"/>
             </a:pPr>
             <a:r>
-              <a:rPr lang="en-US" sz="2000" dirty="0">
-                <a:solidFill>
-                  <a:srgbClr val="FFFFFF"/>
-                </a:solidFill>
-              </a:rPr>
+              <a:rPr lang="en-US" sz="1700"/>
               <a:t>Accidents have not gone over 10</a:t>
             </a:r>
           </a:p>
@@ -7315,11 +7212,7 @@
               <a:buChar char="•"/>
             </a:pPr>
             <a:r>
-              <a:rPr lang="en-US" sz="2000" dirty="0">
-                <a:solidFill>
-                  <a:srgbClr val="FFFFFF"/>
-                </a:solidFill>
-              </a:rPr>
+              <a:rPr lang="en-US" sz="1700"/>
               <a:t>Fatalities have not gone over 100</a:t>
             </a:r>
           </a:p>
@@ -7329,11 +7222,7 @@
               <a:buChar char="•"/>
             </a:pPr>
             <a:r>
-              <a:rPr lang="en-US" sz="2000" dirty="0">
-                <a:solidFill>
-                  <a:srgbClr val="FFFFFF"/>
-                </a:solidFill>
-              </a:rPr>
+              <a:rPr lang="en-US" sz="1700"/>
               <a:t>Aside from the events that occurred on 9/11</a:t>
             </a:r>
           </a:p>
@@ -7343,11 +7232,7 @@
               <a:buChar char="•"/>
             </a:pPr>
             <a:r>
-              <a:rPr lang="en-US" sz="2000" dirty="0">
-                <a:solidFill>
-                  <a:srgbClr val="FFFFFF"/>
-                </a:solidFill>
-              </a:rPr>
+              <a:rPr lang="en-US" sz="1700"/>
               <a:t>The amount of fatalities and accidents have decreased to zero in various years</a:t>
             </a:r>
           </a:p>
@@ -7357,39 +7242,25 @@
               <a:buChar char="•"/>
             </a:pPr>
             <a:r>
-              <a:rPr lang="en-US" sz="2000" dirty="0">
-                <a:solidFill>
-                  <a:srgbClr val="FFFFFF"/>
-                </a:solidFill>
-              </a:rPr>
+              <a:rPr lang="en-US" sz="1700"/>
               <a:t>Safety priority has held these values so low</a:t>
             </a:r>
           </a:p>
           <a:p>
-            <a:pPr marL="57150"/>
-            <a:endParaRPr lang="en-US" sz="2000" dirty="0">
-              <a:solidFill>
-                <a:srgbClr val="FFFFFF"/>
-              </a:solidFill>
-            </a:endParaRPr>
-          </a:p>
-          <a:p>
-            <a:pPr marL="57150"/>
-            <a:r>
-              <a:rPr lang="en-US" sz="2000" dirty="0">
-                <a:solidFill>
-                  <a:srgbClr val="FFFFFF"/>
-                </a:solidFill>
-              </a:rPr>
-              <a:t>Data Source: Airlines for America </a:t>
-            </a:r>
-            <a:r>
-              <a:rPr lang="en-US" sz="2000" dirty="0">
-                <a:solidFill>
-                  <a:schemeClr val="bg1"/>
-                </a:solidFill>
-              </a:rPr>
-              <a:t>– Safety Record</a:t>
+            <a:pPr marL="57150" indent="-228600">
+              <a:buFont typeface="Arial" panose="020B0604020202020204" pitchFamily="34" charset="0"/>
+              <a:buChar char="•"/>
+            </a:pPr>
+            <a:endParaRPr lang="en-US" sz="1700"/>
+          </a:p>
+          <a:p>
+            <a:pPr marL="57150" indent="-228600">
+              <a:buFont typeface="Arial" panose="020B0604020202020204" pitchFamily="34" charset="0"/>
+              <a:buChar char="•"/>
+            </a:pPr>
+            <a:r>
+              <a:rPr lang="en-US" sz="1700"/>
+              <a:t>Data Source: Airlines for America – Safety Record</a:t>
             </a:r>
           </a:p>
         </p:txBody>
@@ -7422,33 +7293,12 @@
         </p:blipFill>
         <p:spPr>
           <a:xfrm>
-            <a:off x="7858897" y="2199368"/>
-            <a:ext cx="4166313" cy="1406130"/>
-          </a:xfrm>
-          <a:custGeom>
+            <a:off x="5993474" y="549354"/>
+            <a:ext cx="5723066" cy="2542243"/>
+          </a:xfrm>
+          <a:prstGeom prst="rect">
             <a:avLst/>
-            <a:gdLst/>
-            <a:ahLst/>
-            <a:cxnLst/>
-            <a:rect l="l" t="t" r="r" b="b"/>
-            <a:pathLst>
-              <a:path w="4636009" h="5032375">
-                <a:moveTo>
-                  <a:pt x="0" y="0"/>
-                </a:moveTo>
-                <a:lnTo>
-                  <a:pt x="4636009" y="0"/>
-                </a:lnTo>
-                <a:lnTo>
-                  <a:pt x="4636009" y="5032375"/>
-                </a:lnTo>
-                <a:lnTo>
-                  <a:pt x="0" y="5032375"/>
-                </a:lnTo>
-                <a:close/>
-              </a:path>
-            </a:pathLst>
-          </a:custGeom>
+          </a:prstGeom>
         </p:spPr>
       </p:pic>
       <p:pic>
@@ -7481,33 +7331,12 @@
         </p:blipFill>
         <p:spPr>
           <a:xfrm>
-            <a:off x="6908801" y="4322628"/>
-            <a:ext cx="5116410" cy="1688414"/>
-          </a:xfrm>
-          <a:custGeom>
+            <a:off x="5980833" y="3339225"/>
+            <a:ext cx="5723066" cy="2542243"/>
+          </a:xfrm>
+          <a:prstGeom prst="rect">
             <a:avLst/>
-            <a:gdLst/>
-            <a:ahLst/>
-            <a:cxnLst/>
-            <a:rect l="l" t="t" r="r" b="b"/>
-            <a:pathLst>
-              <a:path w="4636009" h="5032375">
-                <a:moveTo>
-                  <a:pt x="0" y="0"/>
-                </a:moveTo>
-                <a:lnTo>
-                  <a:pt x="4636009" y="0"/>
-                </a:lnTo>
-                <a:lnTo>
-                  <a:pt x="4636009" y="5032375"/>
-                </a:lnTo>
-                <a:lnTo>
-                  <a:pt x="0" y="5032375"/>
-                </a:lnTo>
-                <a:close/>
-              </a:path>
-            </a:pathLst>
-          </a:custGeom>
+          </a:prstGeom>
         </p:spPr>
       </p:pic>
     </p:spTree>
